--- a/HITO 2 todo/DEFENSA HITO 2 presentacion.pptx
+++ b/HITO 2 todo/DEFENSA HITO 2 presentacion.pptx
@@ -7711,7 +7711,9 @@
         </p:nvSpPr>
         <p:spPr/>
         <p:txBody>
-          <a:bodyPr/>
+          <a:bodyPr>
+            <a:normAutofit lnSpcReduction="10000"/>
+          </a:bodyPr>
           <a:lstStyle/>
           <a:p>
             <a:r>
@@ -7722,7 +7724,17 @@
           <a:p>
             <a:r>
               <a:rPr lang="es-ES" dirty="0" smtClean="0"/>
-              <a:t>PROGRAMACION III</a:t>
+              <a:t>PROGRAMACION </a:t>
+            </a:r>
+            <a:r>
+              <a:rPr lang="es-ES" dirty="0" smtClean="0"/>
+              <a:t>III</a:t>
+            </a:r>
+          </a:p>
+          <a:p>
+            <a:r>
+              <a:rPr lang="es-MX" dirty="0"/>
+              <a:t>https://github.com/JNELE/prograiii</a:t>
             </a:r>
             <a:endParaRPr lang="es-MX" dirty="0"/>
           </a:p>
